--- a/SessionFiles/IFileOpenDialog版フォルダ選択ダイアログを作ってみた.pptx
+++ b/SessionFiles/IFileOpenDialog版フォルダ選択ダイアログを作ってみた.pptx
@@ -5,27 +5,28 @@
     <p:sldMasterId id="2147483649" r:id="rId1"/>
   </p:sldMasterIdLst>
   <p:notesMasterIdLst>
-    <p:notesMasterId r:id="rId17"/>
+    <p:notesMasterId r:id="rId18"/>
   </p:notesMasterIdLst>
   <p:handoutMasterIdLst>
-    <p:handoutMasterId r:id="rId18"/>
+    <p:handoutMasterId r:id="rId19"/>
   </p:handoutMasterIdLst>
   <p:sldIdLst>
     <p:sldId id="256" r:id="rId2"/>
     <p:sldId id="257" r:id="rId3"/>
     <p:sldId id="275" r:id="rId4"/>
     <p:sldId id="259" r:id="rId5"/>
-    <p:sldId id="261" r:id="rId6"/>
-    <p:sldId id="260" r:id="rId7"/>
-    <p:sldId id="262" r:id="rId8"/>
-    <p:sldId id="263" r:id="rId9"/>
-    <p:sldId id="266" r:id="rId10"/>
-    <p:sldId id="264" r:id="rId11"/>
-    <p:sldId id="267" r:id="rId12"/>
-    <p:sldId id="270" r:id="rId13"/>
-    <p:sldId id="271" r:id="rId14"/>
-    <p:sldId id="272" r:id="rId15"/>
-    <p:sldId id="274" r:id="rId16"/>
+    <p:sldId id="277" r:id="rId6"/>
+    <p:sldId id="261" r:id="rId7"/>
+    <p:sldId id="260" r:id="rId8"/>
+    <p:sldId id="262" r:id="rId9"/>
+    <p:sldId id="263" r:id="rId10"/>
+    <p:sldId id="266" r:id="rId11"/>
+    <p:sldId id="264" r:id="rId12"/>
+    <p:sldId id="267" r:id="rId13"/>
+    <p:sldId id="276" r:id="rId14"/>
+    <p:sldId id="271" r:id="rId15"/>
+    <p:sldId id="272" r:id="rId16"/>
+    <p:sldId id="274" r:id="rId17"/>
   </p:sldIdLst>
   <p:sldSz cx="12192000" cy="6858000"/>
   <p:notesSz cx="6735763" cy="9866313"/>
@@ -1242,7 +1243,7 @@
             <a:fld id="{0D7189C3-70FD-45C8-AA34-3D07BFDF182C}" type="slidenum">
               <a:rPr kumimoji="1" lang="ja-JP" altLang="en-US" smtClean="0"/>
               <a:pPr/>
-              <a:t>15</a:t>
+              <a:t>16</a:t>
             </a:fld>
             <a:endParaRPr kumimoji="1" lang="ja-JP" altLang="en-US"/>
           </a:p>
@@ -4358,7 +4359,7 @@
       </p:par>
     </p:tnLst>
     <p:bldLst>
-      <p:bldP spid="3" grpId="0" build="allAtOnce"/>
+      <p:bldP spid="3" grpId="0" uiExpand="1" build="allAtOnce"/>
       <p:bldP spid="4" grpId="0" build="allAtOnce"/>
     </p:bldLst>
   </p:timing>
@@ -4366,6 +4367,178 @@
 </file>
 
 <file path=ppt/slides/slide10.xml><?xml version="1.0" encoding="utf-8"?>
+<p:sld xmlns:a="http://schemas.openxmlformats.org/drawingml/2006/main" xmlns:r="http://schemas.openxmlformats.org/officeDocument/2006/relationships" xmlns:p="http://schemas.openxmlformats.org/presentationml/2006/main">
+  <p:cSld>
+    <p:spTree>
+      <p:nvGrpSpPr>
+        <p:cNvPr id="1" name=""/>
+        <p:cNvGrpSpPr/>
+        <p:nvPr/>
+      </p:nvGrpSpPr>
+      <p:grpSpPr>
+        <a:xfrm>
+          <a:off x="0" y="0"/>
+          <a:ext cx="0" cy="0"/>
+          <a:chOff x="0" y="0"/>
+          <a:chExt cx="0" cy="0"/>
+        </a:xfrm>
+      </p:grpSpPr>
+      <p:sp>
+        <p:nvSpPr>
+          <p:cNvPr id="2" name="コンテンツ プレースホルダー 1">
+            <a:extLst>
+              <a:ext uri="{FF2B5EF4-FFF2-40B4-BE49-F238E27FC236}">
+                <a16:creationId xmlns:a16="http://schemas.microsoft.com/office/drawing/2014/main" id="{AC6D9393-F20A-4B9F-9CF6-7CEA6464F8EF}"/>
+              </a:ext>
+            </a:extLst>
+          </p:cNvPr>
+          <p:cNvSpPr>
+            <a:spLocks noGrp="1"/>
+          </p:cNvSpPr>
+          <p:nvPr>
+            <p:ph idx="1"/>
+          </p:nvPr>
+        </p:nvSpPr>
+        <p:spPr/>
+        <p:txBody>
+          <a:bodyPr/>
+          <a:lstStyle/>
+          <a:p>
+            <a:r>
+              <a:rPr kumimoji="1" lang="ja-JP" altLang="en-US" dirty="0"/>
+              <a:t>まずは実際の定義を確認する</a:t>
+            </a:r>
+            <a:endParaRPr kumimoji="1" lang="en-US" altLang="ja-JP" dirty="0"/>
+          </a:p>
+          <a:p>
+            <a:pPr lvl="1"/>
+            <a:r>
+              <a:rPr lang="en-US" altLang="ja-JP" dirty="0"/>
+              <a:t>Windows SDK </a:t>
+            </a:r>
+            <a:r>
+              <a:rPr lang="ja-JP" altLang="en-US" dirty="0"/>
+              <a:t>の </a:t>
+            </a:r>
+            <a:r>
+              <a:rPr lang="en-US" altLang="ja-JP" dirty="0"/>
+              <a:t>ShObjIdl_core.idl</a:t>
+            </a:r>
+            <a:r>
+              <a:rPr lang="ja-JP" altLang="en-US" dirty="0"/>
+              <a:t> に定義されている</a:t>
+            </a:r>
+            <a:endParaRPr lang="en-US" altLang="ja-JP" dirty="0"/>
+          </a:p>
+          <a:p>
+            <a:r>
+              <a:rPr lang="ja-JP" altLang="en-US" dirty="0"/>
+              <a:t>継承</a:t>
+            </a:r>
+            <a:endParaRPr lang="en-US" altLang="ja-JP" dirty="0"/>
+          </a:p>
+          <a:p>
+            <a:pPr lvl="1"/>
+            <a:r>
+              <a:rPr kumimoji="1" lang="en-US" altLang="ja-JP" dirty="0" err="1"/>
+              <a:t>IUnknown</a:t>
+            </a:r>
+            <a:r>
+              <a:rPr kumimoji="1" lang="en-US" altLang="ja-JP" dirty="0"/>
+              <a:t> </a:t>
+            </a:r>
+            <a:r>
+              <a:rPr kumimoji="1" lang="ja-JP" altLang="en-US" dirty="0"/>
+              <a:t>→ </a:t>
+            </a:r>
+            <a:r>
+              <a:rPr kumimoji="1" lang="en-US" altLang="ja-JP" dirty="0" err="1"/>
+              <a:t>IModalWindow</a:t>
+            </a:r>
+            <a:r>
+              <a:rPr kumimoji="1" lang="en-US" altLang="ja-JP" dirty="0"/>
+              <a:t> </a:t>
+            </a:r>
+            <a:r>
+              <a:rPr lang="ja-JP" altLang="en-US" dirty="0"/>
+              <a:t>→ </a:t>
+            </a:r>
+            <a:r>
+              <a:rPr lang="en-US" altLang="ja-JP" dirty="0" err="1"/>
+              <a:t>IFileDialog</a:t>
+            </a:r>
+            <a:br>
+              <a:rPr lang="en-US" altLang="ja-JP" dirty="0"/>
+            </a:br>
+            <a:r>
+              <a:rPr lang="ja-JP" altLang="en-US" dirty="0"/>
+              <a:t>→ </a:t>
+            </a:r>
+            <a:r>
+              <a:rPr lang="en-US" altLang="ja-JP" dirty="0" err="1"/>
+              <a:t>IFileOpenDialog</a:t>
+            </a:r>
+            <a:endParaRPr lang="en-US" altLang="ja-JP" dirty="0"/>
+          </a:p>
+          <a:p>
+            <a:endParaRPr lang="en-US" altLang="ja-JP" dirty="0"/>
+          </a:p>
+        </p:txBody>
+      </p:sp>
+      <p:sp>
+        <p:nvSpPr>
+          <p:cNvPr id="3" name="タイトル 2">
+            <a:extLst>
+              <a:ext uri="{FF2B5EF4-FFF2-40B4-BE49-F238E27FC236}">
+                <a16:creationId xmlns:a16="http://schemas.microsoft.com/office/drawing/2014/main" id="{98761E4C-4F82-4F74-A4CE-A2988CA461C0}"/>
+              </a:ext>
+            </a:extLst>
+          </p:cNvPr>
+          <p:cNvSpPr>
+            <a:spLocks noGrp="1"/>
+          </p:cNvSpPr>
+          <p:nvPr>
+            <p:ph type="title"/>
+          </p:nvPr>
+        </p:nvSpPr>
+        <p:spPr/>
+        <p:txBody>
+          <a:bodyPr/>
+          <a:lstStyle/>
+          <a:p>
+            <a:r>
+              <a:rPr kumimoji="1" lang="ja-JP" altLang="en-US" dirty="0"/>
+              <a:t>必要最低限のインターフェース定義って？</a:t>
+            </a:r>
+          </a:p>
+        </p:txBody>
+      </p:sp>
+    </p:spTree>
+    <p:extLst>
+      <p:ext uri="{BB962C8B-B14F-4D97-AF65-F5344CB8AC3E}">
+        <p14:creationId xmlns:p14="http://schemas.microsoft.com/office/powerpoint/2010/main" val="1468289313"/>
+      </p:ext>
+    </p:extLst>
+  </p:cSld>
+  <p:clrMapOvr>
+    <a:masterClrMapping/>
+  </p:clrMapOvr>
+  <mc:AlternateContent xmlns:mc="http://schemas.openxmlformats.org/markup-compatibility/2006" xmlns:p159="http://schemas.microsoft.com/office/powerpoint/2015/09/main">
+    <mc:Choice Requires="p159">
+      <p:transition xmlns:p14="http://schemas.microsoft.com/office/powerpoint/2010/main" spd="slow" p14:dur="2000">
+        <p159:morph option="byWord"/>
+      </p:transition>
+    </mc:Choice>
+    <mc:Fallback xmlns="">
+      <p:transition spd="slow">
+        <p:fade/>
+      </p:transition>
+    </mc:Fallback>
+  </mc:AlternateContent>
+</p:sld>
+</file>
+
+<file path=ppt/slides/slide11.xml><?xml version="1.0" encoding="utf-8"?>
 <p:sld xmlns:a="http://schemas.openxmlformats.org/drawingml/2006/main" xmlns:r="http://schemas.openxmlformats.org/officeDocument/2006/relationships" xmlns:p="http://schemas.openxmlformats.org/presentationml/2006/main">
   <p:cSld>
     <p:spTree>
@@ -4480,7 +4653,7 @@
 </p:sld>
 </file>
 
-<file path=ppt/slides/slide11.xml><?xml version="1.0" encoding="utf-8"?>
+<file path=ppt/slides/slide12.xml><?xml version="1.0" encoding="utf-8"?>
 <p:sld xmlns:a="http://schemas.openxmlformats.org/drawingml/2006/main" xmlns:r="http://schemas.openxmlformats.org/officeDocument/2006/relationships" xmlns:p="http://schemas.openxmlformats.org/presentationml/2006/main">
   <p:cSld>
     <p:spTree>
@@ -4680,227 +4853,6 @@
     <p:extLst>
       <p:ext uri="{BB962C8B-B14F-4D97-AF65-F5344CB8AC3E}">
         <p14:creationId xmlns:p14="http://schemas.microsoft.com/office/powerpoint/2010/main" val="3036002753"/>
-      </p:ext>
-    </p:extLst>
-  </p:cSld>
-  <p:clrMapOvr>
-    <a:masterClrMapping/>
-  </p:clrMapOvr>
-  <mc:AlternateContent xmlns:mc="http://schemas.openxmlformats.org/markup-compatibility/2006" xmlns:p159="http://schemas.microsoft.com/office/powerpoint/2015/09/main">
-    <mc:Choice Requires="p159">
-      <p:transition xmlns:p14="http://schemas.microsoft.com/office/powerpoint/2010/main" spd="slow" p14:dur="2000">
-        <p159:morph option="byWord"/>
-      </p:transition>
-    </mc:Choice>
-    <mc:Fallback xmlns="">
-      <p:transition spd="slow">
-        <p:fade/>
-      </p:transition>
-    </mc:Fallback>
-  </mc:AlternateContent>
-</p:sld>
-</file>
-
-<file path=ppt/slides/slide12.xml><?xml version="1.0" encoding="utf-8"?>
-<p:sld xmlns:a="http://schemas.openxmlformats.org/drawingml/2006/main" xmlns:r="http://schemas.openxmlformats.org/officeDocument/2006/relationships" xmlns:p="http://schemas.openxmlformats.org/presentationml/2006/main">
-  <p:cSld>
-    <p:spTree>
-      <p:nvGrpSpPr>
-        <p:cNvPr id="1" name=""/>
-        <p:cNvGrpSpPr/>
-        <p:nvPr/>
-      </p:nvGrpSpPr>
-      <p:grpSpPr>
-        <a:xfrm>
-          <a:off x="0" y="0"/>
-          <a:ext cx="0" cy="0"/>
-          <a:chOff x="0" y="0"/>
-          <a:chExt cx="0" cy="0"/>
-        </a:xfrm>
-      </p:grpSpPr>
-      <p:sp>
-        <p:nvSpPr>
-          <p:cNvPr id="2" name="コンテンツ プレースホルダー 1">
-            <a:extLst>
-              <a:ext uri="{FF2B5EF4-FFF2-40B4-BE49-F238E27FC236}">
-                <a16:creationId xmlns:a16="http://schemas.microsoft.com/office/drawing/2014/main" id="{3D1D6F55-8C31-4624-A5F7-F9AD7945F455}"/>
-              </a:ext>
-            </a:extLst>
-          </p:cNvPr>
-          <p:cNvSpPr>
-            <a:spLocks noGrp="1"/>
-          </p:cNvSpPr>
-          <p:nvPr>
-            <p:ph idx="1"/>
-          </p:nvPr>
-        </p:nvSpPr>
-        <p:spPr/>
-        <p:txBody>
-          <a:bodyPr/>
-          <a:lstStyle/>
-          <a:p>
-            <a:r>
-              <a:rPr lang="en-US" altLang="ja-JP" dirty="0"/>
-              <a:t>Component </a:t>
-            </a:r>
-            <a:r>
-              <a:rPr kumimoji="1" lang="en-US" altLang="ja-JP" dirty="0"/>
-              <a:t>Object Model </a:t>
-            </a:r>
-            <a:r>
-              <a:rPr kumimoji="1" lang="ja-JP" altLang="en-US" dirty="0"/>
-              <a:t>の略</a:t>
-            </a:r>
-            <a:endParaRPr kumimoji="1" lang="en-US" altLang="ja-JP" dirty="0"/>
-          </a:p>
-          <a:p>
-            <a:r>
-              <a:rPr kumimoji="1" lang="en-US" altLang="ja-JP" dirty="0"/>
-              <a:t>ABI(Application Binary Interface)</a:t>
-            </a:r>
-            <a:r>
-              <a:rPr kumimoji="1" lang="ja-JP" altLang="en-US" dirty="0"/>
-              <a:t>の一種</a:t>
-            </a:r>
-            <a:endParaRPr kumimoji="1" lang="en-US" altLang="ja-JP" dirty="0"/>
-          </a:p>
-          <a:p>
-            <a:r>
-              <a:rPr lang="en-US" altLang="ja-JP" dirty="0"/>
-              <a:t>Windows API </a:t>
-            </a:r>
-            <a:r>
-              <a:rPr lang="ja-JP" altLang="en-US" dirty="0"/>
-              <a:t>の一種</a:t>
-            </a:r>
-            <a:endParaRPr lang="en-US" altLang="ja-JP" dirty="0"/>
-          </a:p>
-          <a:p>
-            <a:pPr lvl="1"/>
-            <a:r>
-              <a:rPr kumimoji="1" lang="ja-JP" altLang="en-US" dirty="0"/>
-              <a:t>インターフェース</a:t>
-            </a:r>
-            <a:r>
-              <a:rPr kumimoji="1" lang="en-US" altLang="ja-JP" dirty="0"/>
-              <a:t>(</a:t>
-            </a:r>
-            <a:r>
-              <a:rPr kumimoji="1" lang="ja-JP" altLang="en-US" dirty="0"/>
-              <a:t>関数テーブル</a:t>
-            </a:r>
-            <a:r>
-              <a:rPr kumimoji="1" lang="en-US" altLang="ja-JP" dirty="0"/>
-              <a:t>)</a:t>
-            </a:r>
-            <a:r>
-              <a:rPr kumimoji="1" lang="ja-JP" altLang="en-US" dirty="0"/>
-              <a:t>を介したやり取り形式</a:t>
-            </a:r>
-            <a:endParaRPr kumimoji="1" lang="en-US" altLang="ja-JP" dirty="0"/>
-          </a:p>
-          <a:p>
-            <a:r>
-              <a:rPr kumimoji="1" lang="ja-JP" altLang="en-US" dirty="0"/>
-              <a:t>関数テーブル構造って？</a:t>
-            </a:r>
-            <a:endParaRPr kumimoji="1" lang="en-US" altLang="ja-JP" dirty="0"/>
-          </a:p>
-          <a:p>
-            <a:pPr lvl="1"/>
-            <a:r>
-              <a:rPr kumimoji="1" lang="ja-JP" altLang="en-US" dirty="0"/>
-              <a:t>関数ポインタだけで構成された</a:t>
-            </a:r>
-            <a:r>
-              <a:rPr kumimoji="1" lang="en-US" altLang="ja-JP" dirty="0"/>
-              <a:t>C</a:t>
-            </a:r>
-            <a:r>
-              <a:rPr kumimoji="1" lang="ja-JP" altLang="en-US" dirty="0"/>
-              <a:t>の構造体</a:t>
-            </a:r>
-            <a:endParaRPr kumimoji="1" lang="en-US" altLang="ja-JP" dirty="0"/>
-          </a:p>
-          <a:p>
-            <a:pPr lvl="1"/>
-            <a:r>
-              <a:rPr kumimoji="1" lang="en-US" altLang="ja-JP" dirty="0"/>
-              <a:t>C++ </a:t>
-            </a:r>
-            <a:r>
-              <a:rPr lang="ja-JP" altLang="en-US" dirty="0"/>
-              <a:t>仮想関数テーブルと互換</a:t>
-            </a:r>
-            <a:endParaRPr lang="en-US" altLang="ja-JP" dirty="0"/>
-          </a:p>
-          <a:p>
-            <a:pPr lvl="1"/>
-            <a:r>
-              <a:rPr kumimoji="1" lang="ja-JP" altLang="en-US" dirty="0"/>
-              <a:t>関数の位置情報</a:t>
-            </a:r>
-            <a:r>
-              <a:rPr lang="en-US" altLang="ja-JP" dirty="0"/>
-              <a:t>(==</a:t>
-            </a:r>
-            <a:r>
-              <a:rPr lang="ja-JP" altLang="en-US" dirty="0"/>
-              <a:t>ポインタ</a:t>
-            </a:r>
-            <a:r>
-              <a:rPr lang="en-US" altLang="ja-JP" dirty="0"/>
-              <a:t>)</a:t>
-            </a:r>
-            <a:r>
-              <a:rPr kumimoji="1" lang="ja-JP" altLang="en-US" dirty="0"/>
-              <a:t>だけ</a:t>
-            </a:r>
-            <a:endParaRPr lang="en-US" altLang="ja-JP" dirty="0"/>
-          </a:p>
-        </p:txBody>
-      </p:sp>
-      <p:sp>
-        <p:nvSpPr>
-          <p:cNvPr id="3" name="タイトル 2">
-            <a:extLst>
-              <a:ext uri="{FF2B5EF4-FFF2-40B4-BE49-F238E27FC236}">
-                <a16:creationId xmlns:a16="http://schemas.microsoft.com/office/drawing/2014/main" id="{FBB7A272-50A4-4224-9BED-9A7B08E56181}"/>
-              </a:ext>
-            </a:extLst>
-          </p:cNvPr>
-          <p:cNvSpPr>
-            <a:spLocks noGrp="1"/>
-          </p:cNvSpPr>
-          <p:nvPr>
-            <p:ph type="title"/>
-          </p:nvPr>
-        </p:nvSpPr>
-        <p:spPr/>
-        <p:txBody>
-          <a:bodyPr/>
-          <a:lstStyle/>
-          <a:p>
-            <a:r>
-              <a:rPr lang="ja-JP" altLang="en-US" dirty="0"/>
-              <a:t>今時の</a:t>
-            </a:r>
-            <a:r>
-              <a:rPr lang="en-US" altLang="ja-JP" dirty="0"/>
-              <a:t>COM</a:t>
-            </a:r>
-            <a:r>
-              <a:rPr lang="ja-JP" altLang="en-US" dirty="0"/>
-              <a:t>ならこんな解釈で十分</a:t>
-            </a:r>
-            <a:endParaRPr kumimoji="1" lang="ja-JP" altLang="en-US" dirty="0"/>
-          </a:p>
-        </p:txBody>
-      </p:sp>
-    </p:spTree>
-    <p:extLst>
-      <p:ext uri="{BB962C8B-B14F-4D97-AF65-F5344CB8AC3E}">
-        <p14:creationId xmlns:p14="http://schemas.microsoft.com/office/powerpoint/2010/main" val="997744119"/>
       </p:ext>
     </p:extLst>
   </p:cSld>
@@ -4962,59 +4914,112 @@
           <a:p>
             <a:r>
               <a:rPr kumimoji="1" lang="en-US" altLang="ja-JP" dirty="0"/>
-              <a:t>ABI(</a:t>
-            </a:r>
-            <a:r>
-              <a:rPr kumimoji="1" lang="en-US" altLang="ja-JP" dirty="0">
-                <a:latin typeface="UD デジタル 教科書体 NK-R" panose="02020400000000000000" pitchFamily="18" charset="-128"/>
-                <a:ea typeface="UD デジタル 教科書体 NK-R" panose="02020400000000000000" pitchFamily="18" charset="-128"/>
-              </a:rPr>
-              <a:t>Application</a:t>
-            </a:r>
+              <a:t>Component Object Model </a:t>
+            </a:r>
+            <a:r>
+              <a:rPr kumimoji="1" lang="ja-JP" altLang="en-US" dirty="0"/>
+              <a:t>の略</a:t>
+            </a:r>
+            <a:endParaRPr kumimoji="1" lang="en-US" altLang="ja-JP" dirty="0"/>
+          </a:p>
+          <a:p>
             <a:r>
               <a:rPr kumimoji="1" lang="en-US" altLang="ja-JP" dirty="0"/>
-              <a:t> </a:t>
-            </a:r>
-            <a:r>
-              <a:rPr kumimoji="1" lang="en-US" altLang="ja-JP" b="1" dirty="0">
-                <a:effectLst>
-                  <a:outerShdw blurRad="38100" dist="38100" dir="2700000" algn="tl">
-                    <a:srgbClr val="000000">
-                      <a:alpha val="43137"/>
-                    </a:srgbClr>
-                  </a:outerShdw>
-                </a:effectLst>
-              </a:rPr>
-              <a:t>Binary</a:t>
-            </a:r>
+              <a:t>ABI(Application Binary Interface)</a:t>
+            </a:r>
+            <a:r>
+              <a:rPr kumimoji="1" lang="ja-JP" altLang="en-US" dirty="0"/>
+              <a:t>の一種</a:t>
+            </a:r>
+            <a:endParaRPr kumimoji="1" lang="en-US" altLang="ja-JP" dirty="0"/>
+          </a:p>
+          <a:p>
+            <a:r>
+              <a:rPr lang="en-US" altLang="ja-JP" dirty="0"/>
+              <a:t>Windows API </a:t>
+            </a:r>
+            <a:r>
+              <a:rPr lang="ja-JP" altLang="en-US" dirty="0"/>
+              <a:t>の一種</a:t>
+            </a:r>
+            <a:endParaRPr lang="en-US" altLang="ja-JP" dirty="0"/>
+          </a:p>
+          <a:p>
+            <a:pPr lvl="1"/>
+            <a:r>
+              <a:rPr kumimoji="1" lang="ja-JP" altLang="en-US" dirty="0"/>
+              <a:t>インターフェース</a:t>
+            </a:r>
+            <a:r>
+              <a:rPr lang="en-US" altLang="ja-JP" dirty="0"/>
+              <a:t>(</a:t>
+            </a:r>
+            <a:r>
+              <a:rPr lang="ja-JP" altLang="en-US" dirty="0"/>
+              <a:t>関数テーブル</a:t>
+            </a:r>
+            <a:r>
+              <a:rPr lang="en-US" altLang="ja-JP" dirty="0"/>
+              <a:t>)</a:t>
+            </a:r>
+            <a:r>
+              <a:rPr kumimoji="1" lang="ja-JP" altLang="en-US" dirty="0"/>
+              <a:t>を介したやり取り形式</a:t>
+            </a:r>
+            <a:endParaRPr kumimoji="1" lang="en-US" altLang="ja-JP" dirty="0"/>
+          </a:p>
+          <a:p>
+            <a:r>
+              <a:rPr kumimoji="1" lang="ja-JP" altLang="en-US" dirty="0"/>
+              <a:t>関数テーブルって？</a:t>
+            </a:r>
+            <a:endParaRPr kumimoji="1" lang="en-US" altLang="ja-JP" dirty="0"/>
+          </a:p>
+          <a:p>
+            <a:pPr lvl="1"/>
+            <a:r>
+              <a:rPr lang="en-US" altLang="ja-JP" dirty="0"/>
+              <a:t>C# </a:t>
+            </a:r>
+            <a:r>
+              <a:rPr lang="ja-JP" altLang="en-US" dirty="0"/>
+              <a:t>の</a:t>
+            </a:r>
+            <a:r>
+              <a:rPr lang="en-US" altLang="ja-JP" dirty="0"/>
+              <a:t>interface </a:t>
+            </a:r>
+            <a:r>
+              <a:rPr lang="ja-JP" altLang="en-US" dirty="0"/>
+              <a:t>と概念は同じ</a:t>
+            </a:r>
+            <a:endParaRPr kumimoji="1" lang="en-US" altLang="ja-JP" dirty="0"/>
+          </a:p>
+          <a:p>
+            <a:pPr lvl="1"/>
             <a:r>
               <a:rPr kumimoji="1" lang="en-US" altLang="ja-JP" dirty="0"/>
-              <a:t> Interface)</a:t>
-            </a:r>
-          </a:p>
-          <a:p>
+              <a:t>C++ </a:t>
+            </a:r>
+            <a:r>
+              <a:rPr lang="ja-JP" altLang="en-US" dirty="0"/>
+              <a:t>純粋仮想クラスの持つ関数テーブルと互換</a:t>
+            </a:r>
+            <a:endParaRPr lang="en-US" altLang="ja-JP" dirty="0"/>
+          </a:p>
+          <a:p>
+            <a:pPr lvl="1"/>
             <a:r>
               <a:rPr kumimoji="1" lang="ja-JP" altLang="en-US" dirty="0"/>
-              <a:t>インターフェースを介したやり取り形式</a:t>
-            </a:r>
-            <a:endParaRPr kumimoji="1" lang="en-US" altLang="ja-JP" dirty="0"/>
-          </a:p>
-          <a:p>
+              <a:t>関数ポインタだけで構成された</a:t>
+            </a:r>
             <a:r>
               <a:rPr kumimoji="1" lang="en-US" altLang="ja-JP" dirty="0"/>
-              <a:t>COM </a:t>
+              <a:t>C</a:t>
             </a:r>
             <a:r>
               <a:rPr kumimoji="1" lang="ja-JP" altLang="en-US" dirty="0"/>
-              <a:t>のインターフェースは関数のみ定義されている</a:t>
-            </a:r>
-            <a:endParaRPr kumimoji="1" lang="en-US" altLang="ja-JP" dirty="0"/>
-          </a:p>
-          <a:p>
-            <a:pPr lvl="1"/>
-            <a:r>
-              <a:rPr kumimoji="1" lang="ja-JP" altLang="en-US" dirty="0"/>
-              <a:t>関数ポインタ</a:t>
+              <a:t>の構造体</a:t>
             </a:r>
             <a:r>
               <a:rPr kumimoji="1" lang="en-US" altLang="ja-JP" dirty="0"/>
@@ -5022,48 +5027,26 @@
             </a:r>
             <a:r>
               <a:rPr kumimoji="1" lang="ja-JP" altLang="en-US" dirty="0"/>
-              <a:t>関数位置情報</a:t>
+              <a:t>と同等のもの</a:t>
             </a:r>
             <a:r>
               <a:rPr kumimoji="1" lang="en-US" altLang="ja-JP" dirty="0"/>
               <a:t>)</a:t>
             </a:r>
+          </a:p>
+          <a:p>
+            <a:pPr lvl="1"/>
             <a:r>
               <a:rPr kumimoji="1" lang="ja-JP" altLang="en-US" dirty="0"/>
-              <a:t>だけで構成された構造体</a:t>
-            </a:r>
-            <a:endParaRPr kumimoji="1" lang="en-US" altLang="ja-JP" dirty="0"/>
-          </a:p>
-          <a:p>
-            <a:endParaRPr lang="en-US" altLang="ja-JP" dirty="0"/>
-          </a:p>
-          <a:p>
-            <a:endParaRPr lang="en-US" altLang="ja-JP" dirty="0"/>
-          </a:p>
-          <a:p>
+              <a:t>関数の位置情報</a:t>
+            </a:r>
             <a:r>
               <a:rPr lang="en-US" altLang="ja-JP" dirty="0"/>
-              <a:t>ABI</a:t>
+              <a:t>(==</a:t>
             </a:r>
             <a:r>
               <a:rPr lang="ja-JP" altLang="en-US" dirty="0"/>
-              <a:t> は実行時の規約</a:t>
-            </a:r>
-            <a:endParaRPr lang="en-US" altLang="ja-JP" dirty="0"/>
-          </a:p>
-          <a:p>
-            <a:pPr lvl="1"/>
-            <a:r>
-              <a:rPr lang="ja-JP" altLang="en-US" dirty="0"/>
-              <a:t>機械語</a:t>
-            </a:r>
-            <a:r>
-              <a:rPr lang="en-US" altLang="ja-JP" dirty="0"/>
-              <a:t>(</a:t>
-            </a:r>
-            <a:r>
-              <a:rPr lang="ja-JP" altLang="en-US" dirty="0"/>
-              <a:t>バイナリ</a:t>
+              <a:t>ポインタ</a:t>
             </a:r>
             <a:r>
               <a:rPr lang="en-US" altLang="ja-JP" dirty="0"/>
@@ -5071,20 +5054,12 @@
             </a:r>
             <a:r>
               <a:rPr lang="ja-JP" altLang="en-US" dirty="0"/>
-              <a:t>レベルで一致する情報</a:t>
+              <a:t>の羅列</a:t>
             </a:r>
             <a:endParaRPr lang="en-US" altLang="ja-JP" dirty="0"/>
           </a:p>
           <a:p>
             <a:pPr lvl="1"/>
-            <a:r>
-              <a:rPr lang="ja-JP" altLang="en-US" dirty="0"/>
-              <a:t>コンパイル時に必要な情報で</a:t>
-            </a:r>
-            <a:r>
-              <a:rPr lang="ja-JP" altLang="en-US"/>
-              <a:t>はない</a:t>
-            </a:r>
             <a:endParaRPr lang="en-US" altLang="ja-JP" dirty="0"/>
           </a:p>
         </p:txBody>
@@ -5129,7 +5104,7 @@
     </p:spTree>
     <p:extLst>
       <p:ext uri="{BB962C8B-B14F-4D97-AF65-F5344CB8AC3E}">
-        <p14:creationId xmlns:p14="http://schemas.microsoft.com/office/powerpoint/2010/main" val="2790818845"/>
+        <p14:creationId xmlns:p14="http://schemas.microsoft.com/office/powerpoint/2010/main" val="2997696504"/>
       </p:ext>
     </p:extLst>
   </p:cSld>
@@ -5170,6 +5145,235 @@
       </p:grpSpPr>
       <p:sp>
         <p:nvSpPr>
+          <p:cNvPr id="2" name="コンテンツ プレースホルダー 1">
+            <a:extLst>
+              <a:ext uri="{FF2B5EF4-FFF2-40B4-BE49-F238E27FC236}">
+                <a16:creationId xmlns:a16="http://schemas.microsoft.com/office/drawing/2014/main" id="{3D1D6F55-8C31-4624-A5F7-F9AD7945F455}"/>
+              </a:ext>
+            </a:extLst>
+          </p:cNvPr>
+          <p:cNvSpPr>
+            <a:spLocks noGrp="1"/>
+          </p:cNvSpPr>
+          <p:nvPr>
+            <p:ph idx="1"/>
+          </p:nvPr>
+        </p:nvSpPr>
+        <p:spPr/>
+        <p:txBody>
+          <a:bodyPr/>
+          <a:lstStyle/>
+          <a:p>
+            <a:r>
+              <a:rPr kumimoji="1" lang="en-US" altLang="ja-JP" dirty="0"/>
+              <a:t>ABI(</a:t>
+            </a:r>
+            <a:r>
+              <a:rPr kumimoji="1" lang="en-US" altLang="ja-JP" dirty="0">
+                <a:latin typeface="UD デジタル 教科書体 NK-R" panose="02020400000000000000" pitchFamily="18" charset="-128"/>
+                <a:ea typeface="UD デジタル 教科書体 NK-R" panose="02020400000000000000" pitchFamily="18" charset="-128"/>
+              </a:rPr>
+              <a:t>Application</a:t>
+            </a:r>
+            <a:r>
+              <a:rPr kumimoji="1" lang="en-US" altLang="ja-JP" dirty="0"/>
+              <a:t> </a:t>
+            </a:r>
+            <a:r>
+              <a:rPr kumimoji="1" lang="en-US" altLang="ja-JP" b="1" dirty="0">
+                <a:effectLst>
+                  <a:outerShdw blurRad="38100" dist="38100" dir="2700000" algn="tl">
+                    <a:srgbClr val="000000">
+                      <a:alpha val="43137"/>
+                    </a:srgbClr>
+                  </a:outerShdw>
+                </a:effectLst>
+              </a:rPr>
+              <a:t>Binary</a:t>
+            </a:r>
+            <a:r>
+              <a:rPr kumimoji="1" lang="en-US" altLang="ja-JP" dirty="0"/>
+              <a:t> Interface)</a:t>
+            </a:r>
+          </a:p>
+          <a:p>
+            <a:r>
+              <a:rPr kumimoji="1" lang="ja-JP" altLang="en-US" dirty="0"/>
+              <a:t>インターフェースを介したやり取り形式</a:t>
+            </a:r>
+            <a:endParaRPr kumimoji="1" lang="en-US" altLang="ja-JP" dirty="0"/>
+          </a:p>
+          <a:p>
+            <a:r>
+              <a:rPr kumimoji="1" lang="en-US" altLang="ja-JP" dirty="0"/>
+              <a:t>COM </a:t>
+            </a:r>
+            <a:r>
+              <a:rPr kumimoji="1" lang="ja-JP" altLang="en-US" dirty="0"/>
+              <a:t>のインターフェースは関数の定義</a:t>
+            </a:r>
+            <a:r>
+              <a:rPr lang="ja-JP" altLang="en-US" dirty="0"/>
+              <a:t>だけ</a:t>
+            </a:r>
+            <a:endParaRPr kumimoji="1" lang="en-US" altLang="ja-JP" dirty="0"/>
+          </a:p>
+          <a:p>
+            <a:pPr lvl="1"/>
+            <a:r>
+              <a:rPr kumimoji="1" lang="ja-JP" altLang="en-US" dirty="0"/>
+              <a:t>関数ポインタ</a:t>
+            </a:r>
+            <a:r>
+              <a:rPr kumimoji="1" lang="en-US" altLang="ja-JP" dirty="0"/>
+              <a:t>(</a:t>
+            </a:r>
+            <a:r>
+              <a:rPr kumimoji="1" lang="ja-JP" altLang="en-US" dirty="0"/>
+              <a:t>関数への参照</a:t>
+            </a:r>
+            <a:r>
+              <a:rPr kumimoji="1" lang="en-US" altLang="ja-JP" dirty="0"/>
+              <a:t>)</a:t>
+            </a:r>
+            <a:r>
+              <a:rPr kumimoji="1" lang="ja-JP" altLang="en-US" dirty="0"/>
+              <a:t>だけで構成された構造体</a:t>
+            </a:r>
+            <a:endParaRPr kumimoji="1" lang="en-US" altLang="ja-JP" dirty="0"/>
+          </a:p>
+          <a:p>
+            <a:endParaRPr lang="en-US" altLang="ja-JP" dirty="0"/>
+          </a:p>
+          <a:p>
+            <a:endParaRPr lang="en-US" altLang="ja-JP" dirty="0"/>
+          </a:p>
+          <a:p>
+            <a:r>
+              <a:rPr lang="en-US" altLang="ja-JP" dirty="0"/>
+              <a:t>ABI</a:t>
+            </a:r>
+            <a:r>
+              <a:rPr lang="ja-JP" altLang="en-US" dirty="0"/>
+              <a:t> は実行時の規約</a:t>
+            </a:r>
+            <a:endParaRPr lang="en-US" altLang="ja-JP" dirty="0"/>
+          </a:p>
+          <a:p>
+            <a:pPr lvl="1"/>
+            <a:r>
+              <a:rPr lang="ja-JP" altLang="en-US" dirty="0"/>
+              <a:t>機械語</a:t>
+            </a:r>
+            <a:r>
+              <a:rPr lang="en-US" altLang="ja-JP" dirty="0"/>
+              <a:t>(</a:t>
+            </a:r>
+            <a:r>
+              <a:rPr lang="ja-JP" altLang="en-US" dirty="0"/>
+              <a:t>バイナリ</a:t>
+            </a:r>
+            <a:r>
+              <a:rPr lang="en-US" altLang="ja-JP" dirty="0"/>
+              <a:t>)</a:t>
+            </a:r>
+            <a:r>
+              <a:rPr lang="ja-JP" altLang="en-US" dirty="0"/>
+              <a:t>レベルで一致する情報</a:t>
+            </a:r>
+            <a:endParaRPr lang="en-US" altLang="ja-JP" dirty="0"/>
+          </a:p>
+          <a:p>
+            <a:pPr lvl="1"/>
+            <a:r>
+              <a:rPr lang="ja-JP" altLang="en-US" dirty="0"/>
+              <a:t>コンパイル時に必要な情報ではない</a:t>
+            </a:r>
+            <a:endParaRPr lang="en-US" altLang="ja-JP" dirty="0"/>
+          </a:p>
+        </p:txBody>
+      </p:sp>
+      <p:sp>
+        <p:nvSpPr>
+          <p:cNvPr id="3" name="タイトル 2">
+            <a:extLst>
+              <a:ext uri="{FF2B5EF4-FFF2-40B4-BE49-F238E27FC236}">
+                <a16:creationId xmlns:a16="http://schemas.microsoft.com/office/drawing/2014/main" id="{FBB7A272-50A4-4224-9BED-9A7B08E56181}"/>
+              </a:ext>
+            </a:extLst>
+          </p:cNvPr>
+          <p:cNvSpPr>
+            <a:spLocks noGrp="1"/>
+          </p:cNvSpPr>
+          <p:nvPr>
+            <p:ph type="title"/>
+          </p:nvPr>
+        </p:nvSpPr>
+        <p:spPr/>
+        <p:txBody>
+          <a:bodyPr/>
+          <a:lstStyle/>
+          <a:p>
+            <a:r>
+              <a:rPr lang="ja-JP" altLang="en-US" dirty="0"/>
+              <a:t>今時の</a:t>
+            </a:r>
+            <a:r>
+              <a:rPr lang="en-US" altLang="ja-JP" dirty="0"/>
+              <a:t>COM</a:t>
+            </a:r>
+            <a:r>
+              <a:rPr lang="ja-JP" altLang="en-US" dirty="0"/>
+              <a:t>ならこんな解釈で十分</a:t>
+            </a:r>
+            <a:endParaRPr kumimoji="1" lang="ja-JP" altLang="en-US" dirty="0"/>
+          </a:p>
+        </p:txBody>
+      </p:sp>
+    </p:spTree>
+    <p:extLst>
+      <p:ext uri="{BB962C8B-B14F-4D97-AF65-F5344CB8AC3E}">
+        <p14:creationId xmlns:p14="http://schemas.microsoft.com/office/powerpoint/2010/main" val="2790818845"/>
+      </p:ext>
+    </p:extLst>
+  </p:cSld>
+  <p:clrMapOvr>
+    <a:masterClrMapping/>
+  </p:clrMapOvr>
+  <mc:AlternateContent xmlns:mc="http://schemas.openxmlformats.org/markup-compatibility/2006" xmlns:p159="http://schemas.microsoft.com/office/powerpoint/2015/09/main">
+    <mc:Choice Requires="p159">
+      <p:transition xmlns:p14="http://schemas.microsoft.com/office/powerpoint/2010/main" spd="slow" p14:dur="2000">
+        <p159:morph option="byWord"/>
+      </p:transition>
+    </mc:Choice>
+    <mc:Fallback xmlns="">
+      <p:transition spd="slow">
+        <p:fade/>
+      </p:transition>
+    </mc:Fallback>
+  </mc:AlternateContent>
+</p:sld>
+</file>
+
+<file path=ppt/slides/slide15.xml><?xml version="1.0" encoding="utf-8"?>
+<p:sld xmlns:a="http://schemas.openxmlformats.org/drawingml/2006/main" xmlns:r="http://schemas.openxmlformats.org/officeDocument/2006/relationships" xmlns:p="http://schemas.openxmlformats.org/presentationml/2006/main">
+  <p:cSld>
+    <p:spTree>
+      <p:nvGrpSpPr>
+        <p:cNvPr id="1" name=""/>
+        <p:cNvGrpSpPr/>
+        <p:nvPr/>
+      </p:nvGrpSpPr>
+      <p:grpSpPr>
+        <a:xfrm>
+          <a:off x="0" y="0"/>
+          <a:ext cx="0" cy="0"/>
+          <a:chOff x="0" y="0"/>
+          <a:chExt cx="0" cy="0"/>
+        </a:xfrm>
+      </p:grpSpPr>
+      <p:sp>
+        <p:nvSpPr>
           <p:cNvPr id="2" name="タイトル 1">
             <a:extLst>
               <a:ext uri="{FF2B5EF4-FFF2-40B4-BE49-F238E27FC236}">
@@ -5304,7 +5508,7 @@
 </p:sld>
 </file>
 
-<file path=ppt/slides/slide15.xml><?xml version="1.0" encoding="utf-8"?>
+<file path=ppt/slides/slide16.xml><?xml version="1.0" encoding="utf-8"?>
 <p:sld xmlns:a="http://schemas.openxmlformats.org/drawingml/2006/main" xmlns:r="http://schemas.openxmlformats.org/officeDocument/2006/relationships" xmlns:p="http://schemas.openxmlformats.org/presentationml/2006/main">
   <p:cSld>
     <p:spTree>
@@ -6185,10 +6389,15 @@
           </p:nvPr>
         </p:nvPicPr>
         <p:blipFill>
-          <a:blip r:embed="rId2"/>
-          <a:stretch>
-            <a:fillRect/>
-          </a:stretch>
+          <a:blip r:embed="rId2">
+            <a:extLst>
+              <a:ext uri="{28A0092B-C50C-407E-A947-70E740481C1C}">
+                <a14:useLocalDpi xmlns:a14="http://schemas.microsoft.com/office/drawing/2010/main" val="0"/>
+              </a:ext>
+            </a:extLst>
+          </a:blip>
+          <a:srcRect/>
+          <a:stretch/>
         </p:blipFill>
         <p:spPr>
           <a:xfrm>
@@ -6214,7 +6423,7 @@
         </p:nvSpPr>
         <p:spPr>
           <a:xfrm>
-            <a:off x="-30035" y="3717032"/>
+            <a:off x="-30036" y="2567806"/>
             <a:ext cx="12252072" cy="1077218"/>
           </a:xfrm>
           <a:prstGeom prst="rect">
@@ -6279,10 +6488,257 @@
       </p:transition>
     </mc:Fallback>
   </mc:AlternateContent>
+  <p:timing>
+    <p:tnLst>
+      <p:par>
+        <p:cTn id="1" dur="indefinite" restart="never" nodeType="tmRoot">
+          <p:childTnLst>
+            <p:seq concurrent="1" nextAc="seek">
+              <p:cTn id="2" dur="indefinite" nodeType="mainSeq">
+                <p:childTnLst>
+                  <p:par>
+                    <p:cTn id="3" fill="hold">
+                      <p:stCondLst>
+                        <p:cond delay="indefinite"/>
+                      </p:stCondLst>
+                      <p:childTnLst>
+                        <p:par>
+                          <p:cTn id="4" fill="hold">
+                            <p:stCondLst>
+                              <p:cond delay="0"/>
+                            </p:stCondLst>
+                            <p:childTnLst>
+                              <p:par>
+                                <p:cTn id="5" presetID="2" presetClass="exit" presetSubtype="1" fill="hold" grpId="0" nodeType="clickEffect">
+                                  <p:stCondLst>
+                                    <p:cond delay="0"/>
+                                  </p:stCondLst>
+                                  <p:childTnLst>
+                                    <p:anim calcmode="lin" valueType="num">
+                                      <p:cBhvr additive="base">
+                                        <p:cTn id="6" dur="500"/>
+                                        <p:tgtEl>
+                                          <p:spTgt spid="4"/>
+                                        </p:tgtEl>
+                                        <p:attrNameLst>
+                                          <p:attrName>ppt_x</p:attrName>
+                                        </p:attrNameLst>
+                                      </p:cBhvr>
+                                      <p:tavLst>
+                                        <p:tav tm="0">
+                                          <p:val>
+                                            <p:strVal val="ppt_x"/>
+                                          </p:val>
+                                        </p:tav>
+                                        <p:tav tm="100000">
+                                          <p:val>
+                                            <p:strVal val="ppt_x"/>
+                                          </p:val>
+                                        </p:tav>
+                                      </p:tavLst>
+                                    </p:anim>
+                                    <p:anim calcmode="lin" valueType="num">
+                                      <p:cBhvr additive="base">
+                                        <p:cTn id="7" dur="500"/>
+                                        <p:tgtEl>
+                                          <p:spTgt spid="4"/>
+                                        </p:tgtEl>
+                                        <p:attrNameLst>
+                                          <p:attrName>ppt_y</p:attrName>
+                                        </p:attrNameLst>
+                                      </p:cBhvr>
+                                      <p:tavLst>
+                                        <p:tav tm="0">
+                                          <p:val>
+                                            <p:strVal val="ppt_y"/>
+                                          </p:val>
+                                        </p:tav>
+                                        <p:tav tm="100000">
+                                          <p:val>
+                                            <p:strVal val="0-ppt_h/2"/>
+                                          </p:val>
+                                        </p:tav>
+                                      </p:tavLst>
+                                    </p:anim>
+                                    <p:set>
+                                      <p:cBhvr>
+                                        <p:cTn id="8" dur="1" fill="hold">
+                                          <p:stCondLst>
+                                            <p:cond delay="499"/>
+                                          </p:stCondLst>
+                                        </p:cTn>
+                                        <p:tgtEl>
+                                          <p:spTgt spid="4"/>
+                                        </p:tgtEl>
+                                        <p:attrNameLst>
+                                          <p:attrName>style.visibility</p:attrName>
+                                        </p:attrNameLst>
+                                      </p:cBhvr>
+                                      <p:to>
+                                        <p:strVal val="hidden"/>
+                                      </p:to>
+                                    </p:set>
+                                  </p:childTnLst>
+                                </p:cTn>
+                              </p:par>
+                            </p:childTnLst>
+                          </p:cTn>
+                        </p:par>
+                      </p:childTnLst>
+                    </p:cTn>
+                  </p:par>
+                </p:childTnLst>
+              </p:cTn>
+              <p:prevCondLst>
+                <p:cond evt="onPrev" delay="0">
+                  <p:tgtEl>
+                    <p:sldTgt/>
+                  </p:tgtEl>
+                </p:cond>
+              </p:prevCondLst>
+              <p:nextCondLst>
+                <p:cond evt="onNext" delay="0">
+                  <p:tgtEl>
+                    <p:sldTgt/>
+                  </p:tgtEl>
+                </p:cond>
+              </p:nextCondLst>
+            </p:seq>
+          </p:childTnLst>
+        </p:cTn>
+      </p:par>
+    </p:tnLst>
+    <p:bldLst>
+      <p:bldP spid="4" grpId="0"/>
+    </p:bldLst>
+  </p:timing>
 </p:sld>
 </file>
 
 <file path=ppt/slides/slide5.xml><?xml version="1.0" encoding="utf-8"?>
+<p:sld xmlns:a="http://schemas.openxmlformats.org/drawingml/2006/main" xmlns:r="http://schemas.openxmlformats.org/officeDocument/2006/relationships" xmlns:p="http://schemas.openxmlformats.org/presentationml/2006/main">
+  <p:cSld>
+    <p:spTree>
+      <p:nvGrpSpPr>
+        <p:cNvPr id="1" name=""/>
+        <p:cNvGrpSpPr/>
+        <p:nvPr/>
+      </p:nvGrpSpPr>
+      <p:grpSpPr>
+        <a:xfrm>
+          <a:off x="0" y="0"/>
+          <a:ext cx="0" cy="0"/>
+          <a:chOff x="0" y="0"/>
+          <a:chExt cx="0" cy="0"/>
+        </a:xfrm>
+      </p:grpSpPr>
+      <p:sp>
+        <p:nvSpPr>
+          <p:cNvPr id="2" name="コンテンツ プレースホルダー 1">
+            <a:extLst>
+              <a:ext uri="{FF2B5EF4-FFF2-40B4-BE49-F238E27FC236}">
+                <a16:creationId xmlns:a16="http://schemas.microsoft.com/office/drawing/2014/main" id="{350DB3EC-C5DA-5F1A-C3E7-AAF619067985}"/>
+              </a:ext>
+            </a:extLst>
+          </p:cNvPr>
+          <p:cNvSpPr>
+            <a:spLocks noGrp="1"/>
+          </p:cNvSpPr>
+          <p:nvPr>
+            <p:ph idx="1"/>
+          </p:nvPr>
+        </p:nvSpPr>
+        <p:spPr/>
+        <p:txBody>
+          <a:bodyPr/>
+          <a:lstStyle/>
+          <a:p>
+            <a:r>
+              <a:rPr kumimoji="1" lang="en-US" altLang="ja-JP" dirty="0" err="1"/>
+              <a:t>System.Windows.Forms.FolderBrowserDialog</a:t>
+            </a:r>
+            <a:endParaRPr kumimoji="1" lang="ja-JP" altLang="en-US" dirty="0"/>
+          </a:p>
+          <a:p>
+            <a:pPr marL="0" indent="0">
+              <a:buNone/>
+            </a:pPr>
+            <a:endParaRPr kumimoji="1" lang="ja-JP" altLang="en-US" dirty="0"/>
+          </a:p>
+        </p:txBody>
+      </p:sp>
+      <p:sp>
+        <p:nvSpPr>
+          <p:cNvPr id="3" name="タイトル 2">
+            <a:extLst>
+              <a:ext uri="{FF2B5EF4-FFF2-40B4-BE49-F238E27FC236}">
+                <a16:creationId xmlns:a16="http://schemas.microsoft.com/office/drawing/2014/main" id="{9DC56274-DF54-EA06-0107-0C7E8406DAA2}"/>
+              </a:ext>
+            </a:extLst>
+          </p:cNvPr>
+          <p:cNvSpPr>
+            <a:spLocks noGrp="1"/>
+          </p:cNvSpPr>
+          <p:nvPr>
+            <p:ph type="title"/>
+          </p:nvPr>
+        </p:nvSpPr>
+        <p:spPr/>
+        <p:txBody>
+          <a:bodyPr/>
+          <a:lstStyle/>
+          <a:p>
+            <a:r>
+              <a:rPr kumimoji="1" lang="ja-JP" altLang="en-US" dirty="0"/>
+              <a:t>ちなみにこれは古いやつ</a:t>
+            </a:r>
+          </a:p>
+        </p:txBody>
+      </p:sp>
+      <p:pic>
+        <p:nvPicPr>
+          <p:cNvPr id="7" name="図 6">
+            <a:extLst>
+              <a:ext uri="{FF2B5EF4-FFF2-40B4-BE49-F238E27FC236}">
+                <a16:creationId xmlns:a16="http://schemas.microsoft.com/office/drawing/2014/main" id="{B067E54B-DA1E-628B-4F31-CE9B2348D255}"/>
+              </a:ext>
+            </a:extLst>
+          </p:cNvPr>
+          <p:cNvPicPr>
+            <a:picLocks noChangeAspect="1"/>
+          </p:cNvPicPr>
+          <p:nvPr/>
+        </p:nvPicPr>
+        <p:blipFill>
+          <a:blip r:embed="rId2"/>
+          <a:stretch>
+            <a:fillRect/>
+          </a:stretch>
+        </p:blipFill>
+        <p:spPr>
+          <a:xfrm>
+            <a:off x="3787664" y="1257421"/>
+            <a:ext cx="4612592" cy="4649690"/>
+          </a:xfrm>
+          <a:prstGeom prst="rect">
+            <a:avLst/>
+          </a:prstGeom>
+        </p:spPr>
+      </p:pic>
+    </p:spTree>
+    <p:extLst>
+      <p:ext uri="{BB962C8B-B14F-4D97-AF65-F5344CB8AC3E}">
+        <p14:creationId xmlns:p14="http://schemas.microsoft.com/office/powerpoint/2010/main" val="2000035001"/>
+      </p:ext>
+    </p:extLst>
+  </p:cSld>
+  <p:clrMapOvr>
+    <a:masterClrMapping/>
+  </p:clrMapOvr>
+</p:sld>
+</file>
+
+<file path=ppt/slides/slide6.xml><?xml version="1.0" encoding="utf-8"?>
 <p:sld xmlns:a="http://schemas.openxmlformats.org/drawingml/2006/main" xmlns:r="http://schemas.openxmlformats.org/officeDocument/2006/relationships" xmlns:p="http://schemas.openxmlformats.org/presentationml/2006/main">
   <p:cSld>
     <p:spTree>
@@ -6364,258 +6820,6 @@
     <p:extLst>
       <p:ext uri="{BB962C8B-B14F-4D97-AF65-F5344CB8AC3E}">
         <p14:creationId xmlns:p14="http://schemas.microsoft.com/office/powerpoint/2010/main" val="486001628"/>
-      </p:ext>
-    </p:extLst>
-  </p:cSld>
-  <p:clrMapOvr>
-    <a:masterClrMapping/>
-  </p:clrMapOvr>
-  <mc:AlternateContent xmlns:mc="http://schemas.openxmlformats.org/markup-compatibility/2006" xmlns:p159="http://schemas.microsoft.com/office/powerpoint/2015/09/main">
-    <mc:Choice Requires="p159">
-      <p:transition xmlns:p14="http://schemas.microsoft.com/office/powerpoint/2010/main" spd="slow" p14:dur="2000">
-        <p159:morph option="byWord"/>
-      </p:transition>
-    </mc:Choice>
-    <mc:Fallback xmlns="">
-      <p:transition spd="slow">
-        <p:fade/>
-      </p:transition>
-    </mc:Fallback>
-  </mc:AlternateContent>
-</p:sld>
-</file>
-
-<file path=ppt/slides/slide6.xml><?xml version="1.0" encoding="utf-8"?>
-<p:sld xmlns:a="http://schemas.openxmlformats.org/drawingml/2006/main" xmlns:r="http://schemas.openxmlformats.org/officeDocument/2006/relationships" xmlns:p="http://schemas.openxmlformats.org/presentationml/2006/main">
-  <p:cSld>
-    <p:spTree>
-      <p:nvGrpSpPr>
-        <p:cNvPr id="1" name=""/>
-        <p:cNvGrpSpPr/>
-        <p:nvPr/>
-      </p:nvGrpSpPr>
-      <p:grpSpPr>
-        <a:xfrm>
-          <a:off x="0" y="0"/>
-          <a:ext cx="0" cy="0"/>
-          <a:chOff x="0" y="0"/>
-          <a:chExt cx="0" cy="0"/>
-        </a:xfrm>
-      </p:grpSpPr>
-      <p:sp>
-        <p:nvSpPr>
-          <p:cNvPr id="2" name="コンテンツ プレースホルダー 1">
-            <a:extLst>
-              <a:ext uri="{FF2B5EF4-FFF2-40B4-BE49-F238E27FC236}">
-                <a16:creationId xmlns:a16="http://schemas.microsoft.com/office/drawing/2014/main" id="{3D1D6F55-8C31-4624-A5F7-F9AD7945F455}"/>
-              </a:ext>
-            </a:extLst>
-          </p:cNvPr>
-          <p:cNvSpPr>
-            <a:spLocks noGrp="1"/>
-          </p:cNvSpPr>
-          <p:nvPr>
-            <p:ph idx="1"/>
-          </p:nvPr>
-        </p:nvSpPr>
-        <p:spPr/>
-        <p:txBody>
-          <a:bodyPr/>
-          <a:lstStyle/>
-          <a:p>
-            <a:r>
-              <a:rPr kumimoji="1" lang="en-US" altLang="ja-JP" dirty="0"/>
-              <a:t>Component Object Model </a:t>
-            </a:r>
-            <a:r>
-              <a:rPr kumimoji="1" lang="ja-JP" altLang="en-US" dirty="0"/>
-              <a:t>の略</a:t>
-            </a:r>
-            <a:endParaRPr kumimoji="1" lang="en-US" altLang="ja-JP" dirty="0"/>
-          </a:p>
-          <a:p>
-            <a:r>
-              <a:rPr kumimoji="1" lang="en-US" altLang="ja-JP" dirty="0"/>
-              <a:t>ABI(Application Binary Interface)</a:t>
-            </a:r>
-            <a:r>
-              <a:rPr kumimoji="1" lang="ja-JP" altLang="en-US" dirty="0"/>
-              <a:t>の一種</a:t>
-            </a:r>
-            <a:endParaRPr kumimoji="1" lang="en-US" altLang="ja-JP" dirty="0"/>
-          </a:p>
-          <a:p>
-            <a:r>
-              <a:rPr lang="en-US" altLang="ja-JP" dirty="0"/>
-              <a:t>Windows API </a:t>
-            </a:r>
-            <a:r>
-              <a:rPr lang="ja-JP" altLang="en-US" dirty="0"/>
-              <a:t>の一種</a:t>
-            </a:r>
-            <a:endParaRPr lang="en-US" altLang="ja-JP" dirty="0"/>
-          </a:p>
-          <a:p>
-            <a:pPr lvl="1"/>
-            <a:r>
-              <a:rPr kumimoji="1" lang="ja-JP" altLang="en-US" dirty="0"/>
-              <a:t>インターフェース</a:t>
-            </a:r>
-            <a:r>
-              <a:rPr lang="en-US" altLang="ja-JP" dirty="0"/>
-              <a:t>(</a:t>
-            </a:r>
-            <a:r>
-              <a:rPr lang="ja-JP" altLang="en-US" dirty="0"/>
-              <a:t>関数テーブル</a:t>
-            </a:r>
-            <a:r>
-              <a:rPr lang="en-US" altLang="ja-JP" dirty="0"/>
-              <a:t>)</a:t>
-            </a:r>
-            <a:r>
-              <a:rPr kumimoji="1" lang="ja-JP" altLang="en-US" dirty="0"/>
-              <a:t>を介したやり取り形式</a:t>
-            </a:r>
-            <a:endParaRPr kumimoji="1" lang="en-US" altLang="ja-JP" dirty="0"/>
-          </a:p>
-          <a:p>
-            <a:r>
-              <a:rPr kumimoji="1" lang="ja-JP" altLang="en-US" dirty="0"/>
-              <a:t>関数テーブルって？</a:t>
-            </a:r>
-            <a:endParaRPr kumimoji="1" lang="en-US" altLang="ja-JP" dirty="0"/>
-          </a:p>
-          <a:p>
-            <a:pPr lvl="1"/>
-            <a:r>
-              <a:rPr lang="en-US" altLang="ja-JP" dirty="0"/>
-              <a:t>C# </a:t>
-            </a:r>
-            <a:r>
-              <a:rPr lang="ja-JP" altLang="en-US" dirty="0"/>
-              <a:t>の</a:t>
-            </a:r>
-            <a:r>
-              <a:rPr lang="en-US" altLang="ja-JP" dirty="0"/>
-              <a:t>interface </a:t>
-            </a:r>
-            <a:r>
-              <a:rPr lang="ja-JP" altLang="en-US" dirty="0"/>
-              <a:t>と概念は同じ</a:t>
-            </a:r>
-            <a:endParaRPr kumimoji="1" lang="en-US" altLang="ja-JP" dirty="0"/>
-          </a:p>
-          <a:p>
-            <a:pPr lvl="1"/>
-            <a:r>
-              <a:rPr kumimoji="1" lang="en-US" altLang="ja-JP" dirty="0"/>
-              <a:t>C++ </a:t>
-            </a:r>
-            <a:r>
-              <a:rPr lang="ja-JP" altLang="en-US" dirty="0"/>
-              <a:t>純粋仮想クラスの持つ関数テーブルと互換</a:t>
-            </a:r>
-            <a:endParaRPr lang="en-US" altLang="ja-JP" dirty="0"/>
-          </a:p>
-          <a:p>
-            <a:pPr lvl="1"/>
-            <a:r>
-              <a:rPr kumimoji="1" lang="ja-JP" altLang="en-US" dirty="0"/>
-              <a:t>関数ポインタだけで構成された</a:t>
-            </a:r>
-            <a:r>
-              <a:rPr kumimoji="1" lang="en-US" altLang="ja-JP" dirty="0"/>
-              <a:t>C</a:t>
-            </a:r>
-            <a:r>
-              <a:rPr kumimoji="1" lang="ja-JP" altLang="en-US" dirty="0"/>
-              <a:t>の構造体</a:t>
-            </a:r>
-            <a:r>
-              <a:rPr kumimoji="1" lang="en-US" altLang="ja-JP" dirty="0"/>
-              <a:t>(</a:t>
-            </a:r>
-            <a:r>
-              <a:rPr kumimoji="1" lang="ja-JP" altLang="en-US" dirty="0"/>
-              <a:t>と同等のもの</a:t>
-            </a:r>
-            <a:r>
-              <a:rPr kumimoji="1" lang="en-US" altLang="ja-JP" dirty="0"/>
-              <a:t>)</a:t>
-            </a:r>
-          </a:p>
-          <a:p>
-            <a:pPr lvl="1"/>
-            <a:r>
-              <a:rPr kumimoji="1" lang="ja-JP" altLang="en-US" dirty="0"/>
-              <a:t>関数の位置情報</a:t>
-            </a:r>
-            <a:r>
-              <a:rPr lang="en-US" altLang="ja-JP" dirty="0"/>
-              <a:t>(==</a:t>
-            </a:r>
-            <a:r>
-              <a:rPr lang="ja-JP" altLang="en-US" dirty="0"/>
-              <a:t>ポインタ</a:t>
-            </a:r>
-            <a:r>
-              <a:rPr lang="en-US" altLang="ja-JP" dirty="0"/>
-              <a:t>)</a:t>
-            </a:r>
-            <a:r>
-              <a:rPr lang="ja-JP" altLang="en-US" dirty="0"/>
-              <a:t>の羅列</a:t>
-            </a:r>
-            <a:endParaRPr lang="en-US" altLang="ja-JP" dirty="0"/>
-          </a:p>
-          <a:p>
-            <a:pPr lvl="1"/>
-            <a:endParaRPr lang="en-US" altLang="ja-JP" dirty="0"/>
-          </a:p>
-        </p:txBody>
-      </p:sp>
-      <p:sp>
-        <p:nvSpPr>
-          <p:cNvPr id="3" name="タイトル 2">
-            <a:extLst>
-              <a:ext uri="{FF2B5EF4-FFF2-40B4-BE49-F238E27FC236}">
-                <a16:creationId xmlns:a16="http://schemas.microsoft.com/office/drawing/2014/main" id="{FBB7A272-50A4-4224-9BED-9A7B08E56181}"/>
-              </a:ext>
-            </a:extLst>
-          </p:cNvPr>
-          <p:cNvSpPr>
-            <a:spLocks noGrp="1"/>
-          </p:cNvSpPr>
-          <p:nvPr>
-            <p:ph type="title"/>
-          </p:nvPr>
-        </p:nvSpPr>
-        <p:spPr/>
-        <p:txBody>
-          <a:bodyPr/>
-          <a:lstStyle/>
-          <a:p>
-            <a:r>
-              <a:rPr lang="ja-JP" altLang="en-US" dirty="0"/>
-              <a:t>今時の</a:t>
-            </a:r>
-            <a:r>
-              <a:rPr lang="en-US" altLang="ja-JP" dirty="0"/>
-              <a:t>COM</a:t>
-            </a:r>
-            <a:r>
-              <a:rPr lang="ja-JP" altLang="en-US" dirty="0"/>
-              <a:t>ならこんな解釈で十分</a:t>
-            </a:r>
-            <a:endParaRPr kumimoji="1" lang="ja-JP" altLang="en-US" dirty="0"/>
-          </a:p>
-        </p:txBody>
-      </p:sp>
-    </p:spTree>
-    <p:extLst>
-      <p:ext uri="{BB962C8B-B14F-4D97-AF65-F5344CB8AC3E}">
-        <p14:creationId xmlns:p14="http://schemas.microsoft.com/office/powerpoint/2010/main" val="1500946828"/>
       </p:ext>
     </p:extLst>
   </p:cSld>
@@ -6656,10 +6860,183 @@
       </p:grpSpPr>
       <p:sp>
         <p:nvSpPr>
-          <p:cNvPr id="4" name="タイトル 3">
+          <p:cNvPr id="2" name="コンテンツ プレースホルダー 1">
             <a:extLst>
               <a:ext uri="{FF2B5EF4-FFF2-40B4-BE49-F238E27FC236}">
-                <a16:creationId xmlns:a16="http://schemas.microsoft.com/office/drawing/2014/main" id="{01B49D2E-62A5-48A5-8DAD-60AFE9D92140}"/>
+                <a16:creationId xmlns:a16="http://schemas.microsoft.com/office/drawing/2014/main" id="{3D1D6F55-8C31-4624-A5F7-F9AD7945F455}"/>
+              </a:ext>
+            </a:extLst>
+          </p:cNvPr>
+          <p:cNvSpPr>
+            <a:spLocks noGrp="1"/>
+          </p:cNvSpPr>
+          <p:nvPr>
+            <p:ph idx="1"/>
+          </p:nvPr>
+        </p:nvSpPr>
+        <p:spPr/>
+        <p:txBody>
+          <a:bodyPr/>
+          <a:lstStyle/>
+          <a:p>
+            <a:r>
+              <a:rPr kumimoji="1" lang="en-US" altLang="ja-JP" dirty="0"/>
+              <a:t>Component Object Model </a:t>
+            </a:r>
+            <a:r>
+              <a:rPr kumimoji="1" lang="ja-JP" altLang="en-US" dirty="0"/>
+              <a:t>の略</a:t>
+            </a:r>
+            <a:endParaRPr kumimoji="1" lang="en-US" altLang="ja-JP" dirty="0"/>
+          </a:p>
+          <a:p>
+            <a:r>
+              <a:rPr kumimoji="1" lang="en-US" altLang="ja-JP" dirty="0"/>
+              <a:t>ABI(Application Binary Interface)</a:t>
+            </a:r>
+            <a:r>
+              <a:rPr kumimoji="1" lang="ja-JP" altLang="en-US" dirty="0"/>
+              <a:t>の一種</a:t>
+            </a:r>
+            <a:endParaRPr kumimoji="1" lang="en-US" altLang="ja-JP" dirty="0"/>
+          </a:p>
+          <a:p>
+            <a:r>
+              <a:rPr lang="en-US" altLang="ja-JP" dirty="0"/>
+              <a:t>Windows API </a:t>
+            </a:r>
+            <a:r>
+              <a:rPr lang="ja-JP" altLang="en-US" dirty="0"/>
+              <a:t>の一種</a:t>
+            </a:r>
+            <a:endParaRPr lang="en-US" altLang="ja-JP" dirty="0"/>
+          </a:p>
+          <a:p>
+            <a:pPr lvl="1"/>
+            <a:r>
+              <a:rPr kumimoji="1" lang="ja-JP" altLang="en-US" dirty="0"/>
+              <a:t>インターフェース</a:t>
+            </a:r>
+            <a:r>
+              <a:rPr lang="en-US" altLang="ja-JP" dirty="0"/>
+              <a:t>(</a:t>
+            </a:r>
+            <a:r>
+              <a:rPr lang="ja-JP" altLang="en-US" dirty="0"/>
+              <a:t>関数テーブル</a:t>
+            </a:r>
+            <a:r>
+              <a:rPr lang="en-US" altLang="ja-JP" dirty="0"/>
+              <a:t>)</a:t>
+            </a:r>
+            <a:r>
+              <a:rPr kumimoji="1" lang="ja-JP" altLang="en-US" dirty="0"/>
+              <a:t>を介したやり取り形式</a:t>
+            </a:r>
+            <a:endParaRPr kumimoji="1" lang="en-US" altLang="ja-JP" dirty="0"/>
+          </a:p>
+          <a:p>
+            <a:r>
+              <a:rPr kumimoji="1" lang="ja-JP" altLang="en-US" dirty="0"/>
+              <a:t>関数テーブルって？</a:t>
+            </a:r>
+            <a:endParaRPr kumimoji="1" lang="en-US" altLang="ja-JP" dirty="0"/>
+          </a:p>
+          <a:p>
+            <a:pPr lvl="1"/>
+            <a:r>
+              <a:rPr lang="en-US" altLang="ja-JP" dirty="0"/>
+              <a:t>C# </a:t>
+            </a:r>
+            <a:r>
+              <a:rPr lang="ja-JP" altLang="en-US" dirty="0"/>
+              <a:t>の</a:t>
+            </a:r>
+            <a:r>
+              <a:rPr lang="en-US" altLang="ja-JP" dirty="0"/>
+              <a:t>interface </a:t>
+            </a:r>
+            <a:r>
+              <a:rPr lang="ja-JP" altLang="en-US" dirty="0"/>
+              <a:t>と概念は同じ</a:t>
+            </a:r>
+            <a:endParaRPr kumimoji="1" lang="en-US" altLang="ja-JP" dirty="0"/>
+          </a:p>
+          <a:p>
+            <a:pPr lvl="1"/>
+            <a:r>
+              <a:rPr kumimoji="1" lang="en-US" altLang="ja-JP" dirty="0"/>
+              <a:t>C++ </a:t>
+            </a:r>
+            <a:r>
+              <a:rPr lang="ja-JP" altLang="en-US" dirty="0"/>
+              <a:t>純粋仮想クラスの持つ関数テーブルと互換</a:t>
+            </a:r>
+            <a:endParaRPr lang="en-US" altLang="ja-JP" dirty="0"/>
+          </a:p>
+          <a:p>
+            <a:pPr lvl="1"/>
+            <a:r>
+              <a:rPr kumimoji="1" lang="ja-JP" altLang="en-US" dirty="0"/>
+              <a:t>関数ポインタだけで構成された</a:t>
+            </a:r>
+            <a:r>
+              <a:rPr kumimoji="1" lang="en-US" altLang="ja-JP" dirty="0"/>
+              <a:t>C</a:t>
+            </a:r>
+            <a:r>
+              <a:rPr kumimoji="1" lang="ja-JP" altLang="en-US" dirty="0"/>
+              <a:t>の構造体</a:t>
+            </a:r>
+            <a:r>
+              <a:rPr kumimoji="1" lang="en-US" altLang="ja-JP" dirty="0"/>
+              <a:t>(</a:t>
+            </a:r>
+            <a:r>
+              <a:rPr kumimoji="1" lang="ja-JP" altLang="en-US" dirty="0"/>
+              <a:t>と同等のもの</a:t>
+            </a:r>
+            <a:r>
+              <a:rPr kumimoji="1" lang="en-US" altLang="ja-JP" dirty="0"/>
+              <a:t>)</a:t>
+            </a:r>
+          </a:p>
+          <a:p>
+            <a:pPr lvl="1"/>
+            <a:r>
+              <a:rPr kumimoji="1" lang="ja-JP" altLang="en-US" dirty="0"/>
+              <a:t>関数の位置情報</a:t>
+            </a:r>
+            <a:r>
+              <a:rPr lang="en-US" altLang="ja-JP" dirty="0"/>
+              <a:t>(==</a:t>
+            </a:r>
+            <a:r>
+              <a:rPr lang="ja-JP" altLang="en-US" dirty="0"/>
+              <a:t>ポインタ</a:t>
+            </a:r>
+            <a:r>
+              <a:rPr lang="en-US" altLang="ja-JP" dirty="0"/>
+              <a:t>)</a:t>
+            </a:r>
+            <a:r>
+              <a:rPr lang="ja-JP" altLang="en-US" dirty="0"/>
+              <a:t>の羅列</a:t>
+            </a:r>
+            <a:endParaRPr lang="en-US" altLang="ja-JP" dirty="0"/>
+          </a:p>
+          <a:p>
+            <a:pPr lvl="1"/>
+            <a:endParaRPr lang="en-US" altLang="ja-JP" dirty="0"/>
+          </a:p>
+        </p:txBody>
+      </p:sp>
+      <p:sp>
+        <p:nvSpPr>
+          <p:cNvPr id="3" name="タイトル 2">
+            <a:extLst>
+              <a:ext uri="{FF2B5EF4-FFF2-40B4-BE49-F238E27FC236}">
+                <a16:creationId xmlns:a16="http://schemas.microsoft.com/office/drawing/2014/main" id="{FBB7A272-50A4-4224-9BED-9A7B08E56181}"/>
               </a:ext>
             </a:extLst>
           </p:cNvPr>
@@ -6677,41 +7054,24 @@
           <a:p>
             <a:r>
               <a:rPr lang="ja-JP" altLang="en-US" dirty="0"/>
-              <a:t>必要最低限のインターフェース定義って？</a:t>
+              <a:t>今時の</a:t>
+            </a:r>
+            <a:r>
+              <a:rPr lang="en-US" altLang="ja-JP" dirty="0"/>
+              <a:t>COM</a:t>
+            </a:r>
+            <a:r>
+              <a:rPr lang="ja-JP" altLang="en-US" dirty="0"/>
+              <a:t>ならこんな解釈で十分</a:t>
             </a:r>
             <a:endParaRPr kumimoji="1" lang="ja-JP" altLang="en-US" dirty="0"/>
-          </a:p>
-        </p:txBody>
-      </p:sp>
-      <p:sp>
-        <p:nvSpPr>
-          <p:cNvPr id="5" name="テキスト プレースホルダー 4">
-            <a:extLst>
-              <a:ext uri="{FF2B5EF4-FFF2-40B4-BE49-F238E27FC236}">
-                <a16:creationId xmlns:a16="http://schemas.microsoft.com/office/drawing/2014/main" id="{21CAF37E-F00B-4760-9434-B4D9DCA150A7}"/>
-              </a:ext>
-            </a:extLst>
-          </p:cNvPr>
-          <p:cNvSpPr>
-            <a:spLocks noGrp="1"/>
-          </p:cNvSpPr>
-          <p:nvPr>
-            <p:ph type="body" idx="1"/>
-          </p:nvPr>
-        </p:nvSpPr>
-        <p:spPr/>
-        <p:txBody>
-          <a:bodyPr/>
-          <a:lstStyle/>
-          <a:p>
-            <a:endParaRPr kumimoji="1" lang="ja-JP" altLang="en-US"/>
           </a:p>
         </p:txBody>
       </p:sp>
     </p:spTree>
     <p:extLst>
       <p:ext uri="{BB962C8B-B14F-4D97-AF65-F5344CB8AC3E}">
-        <p14:creationId xmlns:p14="http://schemas.microsoft.com/office/powerpoint/2010/main" val="1870585438"/>
+        <p14:creationId xmlns:p14="http://schemas.microsoft.com/office/powerpoint/2010/main" val="1500946828"/>
       </p:ext>
     </p:extLst>
   </p:cSld>
@@ -6752,10 +7112,10 @@
       </p:grpSpPr>
       <p:sp>
         <p:nvSpPr>
-          <p:cNvPr id="3" name="タイトル 2">
+          <p:cNvPr id="4" name="タイトル 3">
             <a:extLst>
               <a:ext uri="{FF2B5EF4-FFF2-40B4-BE49-F238E27FC236}">
-                <a16:creationId xmlns:a16="http://schemas.microsoft.com/office/drawing/2014/main" id="{E2BEC5C5-50C1-4644-9DB3-F5D9FD76B502}"/>
+                <a16:creationId xmlns:a16="http://schemas.microsoft.com/office/drawing/2014/main" id="{01B49D2E-62A5-48A5-8DAD-60AFE9D92140}"/>
               </a:ext>
             </a:extLst>
           </p:cNvPr>
@@ -6775,56 +7135,39 @@
               <a:rPr lang="ja-JP" altLang="en-US" dirty="0"/>
               <a:t>必要最低限のインターフェース定義って？</a:t>
             </a:r>
+            <a:endParaRPr kumimoji="1" lang="ja-JP" altLang="en-US" dirty="0"/>
           </a:p>
         </p:txBody>
       </p:sp>
       <p:sp>
         <p:nvSpPr>
-          <p:cNvPr id="5" name="テキスト ボックス 4">
+          <p:cNvPr id="5" name="テキスト プレースホルダー 4">
             <a:extLst>
               <a:ext uri="{FF2B5EF4-FFF2-40B4-BE49-F238E27FC236}">
-                <a16:creationId xmlns:a16="http://schemas.microsoft.com/office/drawing/2014/main" id="{283DAF9C-6B08-4631-9F60-DFD1362AA518}"/>
+                <a16:creationId xmlns:a16="http://schemas.microsoft.com/office/drawing/2014/main" id="{21CAF37E-F00B-4760-9434-B4D9DCA150A7}"/>
               </a:ext>
             </a:extLst>
           </p:cNvPr>
-          <p:cNvSpPr txBox="1"/>
-          <p:nvPr/>
+          <p:cNvSpPr>
+            <a:spLocks noGrp="1"/>
+          </p:cNvSpPr>
+          <p:nvPr>
+            <p:ph type="body" idx="1"/>
+          </p:nvPr>
         </p:nvSpPr>
-        <p:spPr>
-          <a:xfrm>
-            <a:off x="1127448" y="835833"/>
-            <a:ext cx="9937104" cy="5401479"/>
-          </a:xfrm>
-          <a:prstGeom prst="rect">
-            <a:avLst/>
-          </a:prstGeom>
-          <a:noFill/>
-        </p:spPr>
+        <p:spPr/>
         <p:txBody>
-          <a:bodyPr wrap="square" rtlCol="0">
-            <a:spAutoFit/>
-          </a:bodyPr>
+          <a:bodyPr/>
           <a:lstStyle/>
           <a:p>
-            <a:pPr algn="ctr"/>
-            <a:r>
-              <a:rPr lang="ja-JP" altLang="en-US" sz="11500" dirty="0">
-                <a:latin typeface="+mn-ea"/>
-                <a:ea typeface="+mn-ea"/>
-              </a:rPr>
-              <a:t>バイナリレベルでの互換性を維持したもの</a:t>
-            </a:r>
-            <a:endParaRPr kumimoji="1" lang="ja-JP" altLang="en-US" sz="11500" dirty="0">
-              <a:latin typeface="+mn-ea"/>
-              <a:ea typeface="+mn-ea"/>
-            </a:endParaRPr>
+            <a:endParaRPr kumimoji="1" lang="ja-JP" altLang="en-US"/>
           </a:p>
         </p:txBody>
       </p:sp>
     </p:spTree>
     <p:extLst>
       <p:ext uri="{BB962C8B-B14F-4D97-AF65-F5344CB8AC3E}">
-        <p14:creationId xmlns:p14="http://schemas.microsoft.com/office/powerpoint/2010/main" val="3049960863"/>
+        <p14:creationId xmlns:p14="http://schemas.microsoft.com/office/powerpoint/2010/main" val="1870585438"/>
       </p:ext>
     </p:extLst>
   </p:cSld>
@@ -6865,112 +7208,10 @@
       </p:grpSpPr>
       <p:sp>
         <p:nvSpPr>
-          <p:cNvPr id="2" name="コンテンツ プレースホルダー 1">
-            <a:extLst>
-              <a:ext uri="{FF2B5EF4-FFF2-40B4-BE49-F238E27FC236}">
-                <a16:creationId xmlns:a16="http://schemas.microsoft.com/office/drawing/2014/main" id="{AC6D9393-F20A-4B9F-9CF6-7CEA6464F8EF}"/>
-              </a:ext>
-            </a:extLst>
-          </p:cNvPr>
-          <p:cNvSpPr>
-            <a:spLocks noGrp="1"/>
-          </p:cNvSpPr>
-          <p:nvPr>
-            <p:ph idx="1"/>
-          </p:nvPr>
-        </p:nvSpPr>
-        <p:spPr/>
-        <p:txBody>
-          <a:bodyPr/>
-          <a:lstStyle/>
-          <a:p>
-            <a:r>
-              <a:rPr kumimoji="1" lang="ja-JP" altLang="en-US" dirty="0"/>
-              <a:t>まずは実際の定義を確認する</a:t>
-            </a:r>
-            <a:endParaRPr kumimoji="1" lang="en-US" altLang="ja-JP" dirty="0"/>
-          </a:p>
-          <a:p>
-            <a:pPr lvl="1"/>
-            <a:r>
-              <a:rPr lang="en-US" altLang="ja-JP" dirty="0"/>
-              <a:t>Windows SDK </a:t>
-            </a:r>
-            <a:r>
-              <a:rPr lang="ja-JP" altLang="en-US" dirty="0"/>
-              <a:t>の </a:t>
-            </a:r>
-            <a:r>
-              <a:rPr lang="en-US" altLang="ja-JP" dirty="0"/>
-              <a:t>ShObjIdl_core.idl</a:t>
-            </a:r>
-            <a:r>
-              <a:rPr lang="ja-JP" altLang="en-US" dirty="0"/>
-              <a:t> に定義されている</a:t>
-            </a:r>
-            <a:endParaRPr lang="en-US" altLang="ja-JP" dirty="0"/>
-          </a:p>
-          <a:p>
-            <a:r>
-              <a:rPr lang="ja-JP" altLang="en-US" dirty="0"/>
-              <a:t>継承</a:t>
-            </a:r>
-            <a:endParaRPr lang="en-US" altLang="ja-JP" dirty="0"/>
-          </a:p>
-          <a:p>
-            <a:pPr lvl="1"/>
-            <a:r>
-              <a:rPr kumimoji="1" lang="en-US" altLang="ja-JP" dirty="0" err="1"/>
-              <a:t>IUnknown</a:t>
-            </a:r>
-            <a:r>
-              <a:rPr kumimoji="1" lang="en-US" altLang="ja-JP" dirty="0"/>
-              <a:t> </a:t>
-            </a:r>
-            <a:r>
-              <a:rPr kumimoji="1" lang="ja-JP" altLang="en-US" dirty="0"/>
-              <a:t>→ </a:t>
-            </a:r>
-            <a:r>
-              <a:rPr kumimoji="1" lang="en-US" altLang="ja-JP" dirty="0" err="1"/>
-              <a:t>IModalWindow</a:t>
-            </a:r>
-            <a:r>
-              <a:rPr kumimoji="1" lang="en-US" altLang="ja-JP" dirty="0"/>
-              <a:t> </a:t>
-            </a:r>
-            <a:r>
-              <a:rPr lang="ja-JP" altLang="en-US" dirty="0"/>
-              <a:t>→ </a:t>
-            </a:r>
-            <a:r>
-              <a:rPr lang="en-US" altLang="ja-JP" dirty="0" err="1"/>
-              <a:t>IFileDialog</a:t>
-            </a:r>
-            <a:br>
-              <a:rPr lang="en-US" altLang="ja-JP" dirty="0"/>
-            </a:br>
-            <a:r>
-              <a:rPr lang="ja-JP" altLang="en-US" dirty="0"/>
-              <a:t>→ </a:t>
-            </a:r>
-            <a:r>
-              <a:rPr lang="en-US" altLang="ja-JP" dirty="0" err="1"/>
-              <a:t>IFileOpenDialog</a:t>
-            </a:r>
-            <a:endParaRPr lang="en-US" altLang="ja-JP" dirty="0"/>
-          </a:p>
-          <a:p>
-            <a:endParaRPr lang="en-US" altLang="ja-JP" dirty="0"/>
-          </a:p>
-        </p:txBody>
-      </p:sp>
-      <p:sp>
-        <p:nvSpPr>
           <p:cNvPr id="3" name="タイトル 2">
             <a:extLst>
               <a:ext uri="{FF2B5EF4-FFF2-40B4-BE49-F238E27FC236}">
-                <a16:creationId xmlns:a16="http://schemas.microsoft.com/office/drawing/2014/main" id="{98761E4C-4F82-4F74-A4CE-A2988CA461C0}"/>
+                <a16:creationId xmlns:a16="http://schemas.microsoft.com/office/drawing/2014/main" id="{E2BEC5C5-50C1-4644-9DB3-F5D9FD76B502}"/>
               </a:ext>
             </a:extLst>
           </p:cNvPr>
@@ -6987,16 +7228,59 @@
           <a:lstStyle/>
           <a:p>
             <a:r>
-              <a:rPr kumimoji="1" lang="ja-JP" altLang="en-US" dirty="0"/>
+              <a:rPr lang="ja-JP" altLang="en-US" dirty="0"/>
               <a:t>必要最低限のインターフェース定義って？</a:t>
             </a:r>
+          </a:p>
+        </p:txBody>
+      </p:sp>
+      <p:sp>
+        <p:nvSpPr>
+          <p:cNvPr id="5" name="テキスト ボックス 4">
+            <a:extLst>
+              <a:ext uri="{FF2B5EF4-FFF2-40B4-BE49-F238E27FC236}">
+                <a16:creationId xmlns:a16="http://schemas.microsoft.com/office/drawing/2014/main" id="{283DAF9C-6B08-4631-9F60-DFD1362AA518}"/>
+              </a:ext>
+            </a:extLst>
+          </p:cNvPr>
+          <p:cNvSpPr txBox="1"/>
+          <p:nvPr/>
+        </p:nvSpPr>
+        <p:spPr>
+          <a:xfrm>
+            <a:off x="1127448" y="835833"/>
+            <a:ext cx="9937104" cy="5401479"/>
+          </a:xfrm>
+          <a:prstGeom prst="rect">
+            <a:avLst/>
+          </a:prstGeom>
+          <a:noFill/>
+        </p:spPr>
+        <p:txBody>
+          <a:bodyPr wrap="square" rtlCol="0">
+            <a:spAutoFit/>
+          </a:bodyPr>
+          <a:lstStyle/>
+          <a:p>
+            <a:pPr algn="ctr"/>
+            <a:r>
+              <a:rPr lang="ja-JP" altLang="en-US" sz="11500" dirty="0">
+                <a:latin typeface="+mn-ea"/>
+                <a:ea typeface="+mn-ea"/>
+              </a:rPr>
+              <a:t>バイナリレベルでの互換性を維持したもの</a:t>
+            </a:r>
+            <a:endParaRPr kumimoji="1" lang="ja-JP" altLang="en-US" sz="11500" dirty="0">
+              <a:latin typeface="+mn-ea"/>
+              <a:ea typeface="+mn-ea"/>
+            </a:endParaRPr>
           </a:p>
         </p:txBody>
       </p:sp>
     </p:spTree>
     <p:extLst>
       <p:ext uri="{BB962C8B-B14F-4D97-AF65-F5344CB8AC3E}">
-        <p14:creationId xmlns:p14="http://schemas.microsoft.com/office/powerpoint/2010/main" val="1468289313"/>
+        <p14:creationId xmlns:p14="http://schemas.microsoft.com/office/powerpoint/2010/main" val="3049960863"/>
       </p:ext>
     </p:extLst>
   </p:cSld>
